--- a/AutomacaoComScripts/Aula06-DaemonsAgendamento/06-DaemonsAgendamento.pptx
+++ b/AutomacaoComScripts/Aula06-DaemonsAgendamento/06-DaemonsAgendamento.pptx
@@ -379,7 +379,7 @@
               <a:pPr>
                 <a:defRPr/>
               </a:pPr>
-              <a:t>18/04/2017</a:t>
+              <a:t>26/04/2018</a:t>
             </a:fld>
             <a:endParaRPr lang="pt-BR"/>
           </a:p>
@@ -657,7 +657,7 @@
               <a:pPr>
                 <a:defRPr/>
               </a:pPr>
-              <a:t>18/04/2017</a:t>
+              <a:t>26/04/2018</a:t>
             </a:fld>
             <a:endParaRPr lang="pt-BR"/>
           </a:p>
@@ -849,7 +849,7 @@
               <a:pPr>
                 <a:defRPr/>
               </a:pPr>
-              <a:t>18/04/2017</a:t>
+              <a:t>26/04/2018</a:t>
             </a:fld>
             <a:endParaRPr lang="pt-BR"/>
           </a:p>
@@ -1051,7 +1051,7 @@
               <a:pPr>
                 <a:defRPr/>
               </a:pPr>
-              <a:t>18/04/2017</a:t>
+              <a:t>26/04/2018</a:t>
             </a:fld>
             <a:endParaRPr lang="pt-BR"/>
           </a:p>
@@ -1153,7 +1153,7 @@
           <a:blip r:embed="rId2" cstate="print">
             <a:extLst>
               <a:ext uri="{BEBA8EAE-BF5A-486C-A8C5-ECC9F3942E4B}">
-                <a14:imgProps xmlns:a14="http://schemas.microsoft.com/office/drawing/2010/main" xmlns="">
+                <a14:imgProps xmlns="" xmlns:a14="http://schemas.microsoft.com/office/drawing/2010/main">
                   <a14:imgLayer r:embed="rId3">
                     <a14:imgEffect>
                       <a14:saturation sat="305000"/>
@@ -1197,7 +1197,7 @@
           <a:blip r:embed="rId4" cstate="print">
             <a:extLst>
               <a:ext uri="{28A0092B-C50C-407E-A947-70E740481C1C}">
-                <a14:useLocalDpi xmlns:a14="http://schemas.microsoft.com/office/drawing/2010/main" xmlns="" val="0"/>
+                <a14:useLocalDpi xmlns="" xmlns:a14="http://schemas.microsoft.com/office/drawing/2010/main" val="0"/>
               </a:ext>
             </a:extLst>
           </a:blip>
@@ -1220,14 +1220,14 @@
           </a:ln>
           <a:extLst>
             <a:ext uri="{909E8E84-426E-40DD-AFC4-6F175D3DCCD1}">
-              <a14:hiddenFill xmlns:a14="http://schemas.microsoft.com/office/drawing/2010/main" xmlns="">
+              <a14:hiddenFill xmlns="" xmlns:a14="http://schemas.microsoft.com/office/drawing/2010/main">
                 <a:solidFill>
                   <a:srgbClr val="FFFFFF"/>
                 </a:solidFill>
               </a14:hiddenFill>
             </a:ext>
             <a:ext uri="{91240B29-F687-4F45-9708-019B960494DF}">
-              <a14:hiddenLine xmlns:a14="http://schemas.microsoft.com/office/drawing/2010/main" xmlns="" w="9525">
+              <a14:hiddenLine xmlns="" xmlns:a14="http://schemas.microsoft.com/office/drawing/2010/main" w="9525">
                 <a:solidFill>
                   <a:srgbClr val="000000"/>
                 </a:solidFill>
@@ -1445,7 +1445,7 @@
               <a:pPr>
                 <a:defRPr/>
               </a:pPr>
-              <a:t>18/04/2017</a:t>
+              <a:t>26/04/2018</a:t>
             </a:fld>
             <a:endParaRPr lang="pt-BR"/>
           </a:p>
@@ -1637,7 +1637,7 @@
               <a:pPr>
                 <a:defRPr/>
               </a:pPr>
-              <a:t>18/04/2017</a:t>
+              <a:t>26/04/2018</a:t>
             </a:fld>
             <a:endParaRPr lang="pt-BR"/>
           </a:p>
@@ -1905,7 +1905,7 @@
               <a:pPr>
                 <a:defRPr/>
               </a:pPr>
-              <a:t>18/04/2017</a:t>
+              <a:t>26/04/2018</a:t>
             </a:fld>
             <a:endParaRPr lang="pt-BR"/>
           </a:p>
@@ -2215,7 +2215,7 @@
               <a:pPr>
                 <a:defRPr/>
               </a:pPr>
-              <a:t>18/04/2017</a:t>
+              <a:t>26/04/2018</a:t>
             </a:fld>
             <a:endParaRPr lang="pt-BR"/>
           </a:p>
@@ -2659,7 +2659,7 @@
               <a:pPr>
                 <a:defRPr/>
               </a:pPr>
-              <a:t>18/04/2017</a:t>
+              <a:t>26/04/2018</a:t>
             </a:fld>
             <a:endParaRPr lang="pt-BR"/>
           </a:p>
@@ -2799,7 +2799,7 @@
               <a:pPr>
                 <a:defRPr/>
               </a:pPr>
-              <a:t>18/04/2017</a:t>
+              <a:t>26/04/2018</a:t>
             </a:fld>
             <a:endParaRPr lang="pt-BR"/>
           </a:p>
@@ -2916,7 +2916,7 @@
               <a:pPr>
                 <a:defRPr/>
               </a:pPr>
-              <a:t>18/04/2017</a:t>
+              <a:t>26/04/2018</a:t>
             </a:fld>
             <a:endParaRPr lang="pt-BR"/>
           </a:p>
@@ -3142,7 +3142,7 @@
             <a:fld id="{2E700DB3-DBF0-4086-B675-117E7A9610B8}" type="datetimeFigureOut">
               <a:rPr lang="pt-BR" smtClean="0"/>
               <a:pPr/>
-              <a:t>18/04/2017</a:t>
+              <a:t>26/04/2018</a:t>
             </a:fld>
             <a:endParaRPr lang="pt-BR"/>
           </a:p>
@@ -3521,7 +3521,7 @@
           <a:blip r:embed="rId13" cstate="print">
             <a:extLst>
               <a:ext uri="{BEBA8EAE-BF5A-486C-A8C5-ECC9F3942E4B}">
-                <a14:imgProps xmlns:a14="http://schemas.microsoft.com/office/drawing/2010/main" xmlns="">
+                <a14:imgProps xmlns="" xmlns:a14="http://schemas.microsoft.com/office/drawing/2010/main">
                   <a14:imgLayer r:embed="rId14">
                     <a14:imgEffect>
                       <a14:saturation sat="305000"/>
@@ -3708,7 +3708,7 @@
               <a:pPr>
                 <a:defRPr/>
               </a:pPr>
-              <a:t>18/04/2017</a:t>
+              <a:t>26/04/2018</a:t>
             </a:fld>
             <a:endParaRPr lang="pt-BR"/>
           </a:p>
@@ -3845,7 +3845,7 @@
           <a:blip r:embed="rId16" cstate="print">
             <a:extLst>
               <a:ext uri="{28A0092B-C50C-407E-A947-70E740481C1C}">
-                <a14:useLocalDpi xmlns:a14="http://schemas.microsoft.com/office/drawing/2010/main" xmlns="" val="0"/>
+                <a14:useLocalDpi xmlns="" xmlns:a14="http://schemas.microsoft.com/office/drawing/2010/main" val="0"/>
               </a:ext>
             </a:extLst>
           </a:blip>
@@ -3866,14 +3866,14 @@
           </a:ln>
           <a:extLst>
             <a:ext uri="{909E8E84-426E-40DD-AFC4-6F175D3DCCD1}">
-              <a14:hiddenFill xmlns:a14="http://schemas.microsoft.com/office/drawing/2010/main" xmlns="">
+              <a14:hiddenFill xmlns="" xmlns:a14="http://schemas.microsoft.com/office/drawing/2010/main">
                 <a:solidFill>
                   <a:srgbClr val="FFFFFF"/>
                 </a:solidFill>
               </a14:hiddenFill>
             </a:ext>
             <a:ext uri="{91240B29-F687-4F45-9708-019B960494DF}">
-              <a14:hiddenLine xmlns:a14="http://schemas.microsoft.com/office/drawing/2010/main" xmlns="" w="9525">
+              <a14:hiddenLine xmlns="" xmlns:a14="http://schemas.microsoft.com/office/drawing/2010/main" w="9525">
                 <a:solidFill>
                   <a:srgbClr val="000000"/>
                 </a:solidFill>
@@ -4350,7 +4350,7 @@
                 </a:solidFill>
                 <a:cs typeface="Arial" pitchFamily="34" charset="0"/>
               </a:rPr>
-              <a:t>19</a:t>
+              <a:t>27</a:t>
             </a:r>
             <a:r>
               <a:rPr lang="pt-BR" sz="2200" b="1" dirty="0" smtClean="0">
@@ -4400,7 +4400,7 @@
                 <a:latin typeface="+mn-lt"/>
                 <a:cs typeface="Arial" pitchFamily="34" charset="0"/>
               </a:rPr>
-              <a:t>2017</a:t>
+              <a:t>2018</a:t>
             </a:r>
             <a:endParaRPr lang="pt-BR" sz="2200" b="1" dirty="0">
               <a:solidFill>
@@ -4610,7 +4610,7 @@
           <a:blip r:embed="rId2" cstate="print">
             <a:extLst>
               <a:ext uri="{28A0092B-C50C-407E-A947-70E740481C1C}">
-                <a14:useLocalDpi xmlns:a14="http://schemas.microsoft.com/office/drawing/2010/main" xmlns="" val="0"/>
+                <a14:useLocalDpi xmlns="" xmlns:a14="http://schemas.microsoft.com/office/drawing/2010/main" val="0"/>
               </a:ext>
             </a:extLst>
           </a:blip>
@@ -4747,7 +4747,11 @@
           <a:p>
             <a:r>
               <a:rPr lang="pt-BR" sz="2800" dirty="0" smtClean="0"/>
-              <a:t>Time.getgmtime() retorna a data/hora corrente de maneira formatada</a:t>
+              <a:t>Time.gmtime</a:t>
+            </a:r>
+            <a:r>
+              <a:rPr lang="pt-BR" sz="2800" dirty="0" smtClean="0"/>
+              <a:t>() retorna a data/hora corrente de maneira formatada</a:t>
             </a:r>
           </a:p>
         </p:txBody>
@@ -5071,14 +5075,7 @@
                 <a:latin typeface="Courier New" pitchFamily="49" charset="0"/>
                 <a:cs typeface="Courier New" pitchFamily="49" charset="0"/>
               </a:rPr>
-              <a:t>&gt;&gt;&gt; time.ctime</a:t>
-            </a:r>
-            <a:r>
-              <a:rPr lang="pt-BR" sz="2400" b="1" dirty="0" smtClean="0">
-                <a:latin typeface="Courier New" pitchFamily="49" charset="0"/>
-                <a:cs typeface="Courier New" pitchFamily="49" charset="0"/>
-              </a:rPr>
-              <a:t>()</a:t>
+              <a:t>&gt;&gt;&gt; time.ctime()</a:t>
             </a:r>
             <a:endParaRPr lang="pt-BR" sz="2400" b="1" dirty="0">
               <a:latin typeface="Courier New" pitchFamily="49" charset="0"/>
@@ -5131,14 +5128,16 @@
                 <a:latin typeface="Courier New" pitchFamily="49" charset="0"/>
                 <a:cs typeface="Courier New" pitchFamily="49" charset="0"/>
               </a:rPr>
-              <a:t>t</a:t>
-            </a:r>
+              <a:t>tempo1 = time.time()</a:t>
+            </a:r>
+          </a:p>
+          <a:p>
             <a:r>
               <a:rPr lang="pt-BR" b="1" dirty="0" smtClean="0">
                 <a:latin typeface="Courier New" pitchFamily="49" charset="0"/>
                 <a:cs typeface="Courier New" pitchFamily="49" charset="0"/>
               </a:rPr>
-              <a:t>empo1 = time.time()</a:t>
+              <a:t>time.sleep(2)</a:t>
             </a:r>
           </a:p>
           <a:p>
@@ -5147,46 +5146,16 @@
                 <a:latin typeface="Courier New" pitchFamily="49" charset="0"/>
                 <a:cs typeface="Courier New" pitchFamily="49" charset="0"/>
               </a:rPr>
-              <a:t>t</a:t>
-            </a:r>
+              <a:t>tempo2 = time.time()</a:t>
+            </a:r>
+          </a:p>
+          <a:p>
             <a:r>
               <a:rPr lang="pt-BR" b="1" dirty="0" smtClean="0">
                 <a:latin typeface="Courier New" pitchFamily="49" charset="0"/>
                 <a:cs typeface="Courier New" pitchFamily="49" charset="0"/>
               </a:rPr>
-              <a:t>ime.sleep(2)</a:t>
-            </a:r>
-          </a:p>
-          <a:p>
-            <a:r>
-              <a:rPr lang="pt-BR" b="1" dirty="0" smtClean="0">
-                <a:latin typeface="Courier New" pitchFamily="49" charset="0"/>
-                <a:cs typeface="Courier New" pitchFamily="49" charset="0"/>
-              </a:rPr>
-              <a:t>t</a:t>
-            </a:r>
-            <a:r>
-              <a:rPr lang="pt-BR" b="1" dirty="0" smtClean="0">
-                <a:latin typeface="Courier New" pitchFamily="49" charset="0"/>
-                <a:cs typeface="Courier New" pitchFamily="49" charset="0"/>
-              </a:rPr>
-              <a:t>empo2 = time.time()</a:t>
-            </a:r>
-          </a:p>
-          <a:p>
-            <a:r>
-              <a:rPr lang="pt-BR" b="1" dirty="0" smtClean="0">
-                <a:latin typeface="Courier New" pitchFamily="49" charset="0"/>
-                <a:cs typeface="Courier New" pitchFamily="49" charset="0"/>
-              </a:rPr>
-              <a:t>p</a:t>
-            </a:r>
-            <a:r>
-              <a:rPr lang="pt-BR" b="1" dirty="0" smtClean="0">
-                <a:latin typeface="Courier New" pitchFamily="49" charset="0"/>
-                <a:cs typeface="Courier New" pitchFamily="49" charset="0"/>
-              </a:rPr>
-              <a:t>rint (‘tempo 1 é’, tempo1, ‘e tempo 2 é’, tempo2)</a:t>
+              <a:t>print (‘tempo 1 é’, tempo1, ‘e tempo 2 é’, tempo2)</a:t>
             </a:r>
             <a:endParaRPr lang="pt-BR" b="1" dirty="0">
               <a:latin typeface="Courier New" pitchFamily="49" charset="0"/>
@@ -5915,27 +5884,7 @@
                 <a:latin typeface="Courier New" pitchFamily="49" charset="0"/>
                 <a:cs typeface="Courier New" pitchFamily="49" charset="0"/>
               </a:rPr>
-              <a:t>echo </a:t>
-            </a:r>
-            <a:r>
-              <a:rPr lang="pt-BR" sz="2000" b="1" dirty="0" smtClean="0">
-                <a:solidFill>
-                  <a:schemeClr val="tx2"/>
-                </a:solidFill>
-                <a:latin typeface="Courier New" pitchFamily="49" charset="0"/>
-                <a:cs typeface="Courier New" pitchFamily="49" charset="0"/>
-              </a:rPr>
-              <a:t>“Viu soh” &gt;&gt; </a:t>
-            </a:r>
-            <a:r>
-              <a:rPr lang="pt-BR" sz="2000" b="1" dirty="0" smtClean="0">
-                <a:solidFill>
-                  <a:schemeClr val="tx2"/>
-                </a:solidFill>
-                <a:latin typeface="Courier New" pitchFamily="49" charset="0"/>
-                <a:cs typeface="Courier New" pitchFamily="49" charset="0"/>
-              </a:rPr>
-              <a:t>/home/facipe/saida.txt</a:t>
+              <a:t>echo “Viu soh” &gt;&gt; /home/facipe/saida.txt</a:t>
             </a:r>
             <a:r>
               <a:rPr lang="pt-BR" sz="1600" b="1" dirty="0" smtClean="0">
@@ -6365,7 +6314,6 @@
               <a:rPr lang="pt-BR" dirty="0" smtClean="0"/>
               <a:t> intervalo de 2 a 4 </a:t>
             </a:r>
-            <a:endParaRPr lang="pt-BR" dirty="0" smtClean="0"/>
           </a:p>
           <a:p>
             <a:pPr lvl="1"/>
@@ -6384,7 +6332,6 @@
               <a:rPr lang="pt-BR" dirty="0" smtClean="0"/>
               <a:t> os números 2,4,6 e 8 </a:t>
             </a:r>
-            <a:endParaRPr lang="pt-BR" dirty="0" smtClean="0"/>
           </a:p>
           <a:p>
             <a:pPr lvl="1"/>
@@ -6403,7 +6350,6 @@
               <a:rPr lang="pt-BR" dirty="0" smtClean="0"/>
               <a:t>de dez em dez </a:t>
             </a:r>
-            <a:endParaRPr lang="pt-BR" dirty="0" smtClean="0"/>
           </a:p>
           <a:p>
             <a:pPr lvl="1"/>
@@ -6500,11 +6446,7 @@
           <a:p>
             <a:r>
               <a:rPr lang="pt-BR" sz="2800" dirty="0" smtClean="0"/>
-              <a:t>Agendar </a:t>
-            </a:r>
-            <a:r>
-              <a:rPr lang="pt-BR" sz="2800" dirty="0" smtClean="0"/>
-              <a:t>tarefas</a:t>
+              <a:t>Agendar tarefas</a:t>
             </a:r>
           </a:p>
           <a:p>
@@ -6576,17 +6518,7 @@
                 <a:latin typeface="Courier New" pitchFamily="49" charset="0"/>
                 <a:cs typeface="Courier New" pitchFamily="49" charset="0"/>
               </a:rPr>
-              <a:t>#</a:t>
-            </a:r>
-            <a:r>
-              <a:rPr lang="pt-BR" sz="1600" b="1" dirty="0" smtClean="0">
-                <a:solidFill>
-                  <a:schemeClr val="tx2"/>
-                </a:solidFill>
-                <a:latin typeface="Courier New" pitchFamily="49" charset="0"/>
-                <a:cs typeface="Courier New" pitchFamily="49" charset="0"/>
-              </a:rPr>
-              <a:t>sched_basic.py</a:t>
+              <a:t>#sched_basic.py</a:t>
             </a:r>
           </a:p>
           <a:p>
@@ -6796,17 +6728,7 @@
                 <a:latin typeface="Courier New" pitchFamily="49" charset="0"/>
                 <a:cs typeface="Courier New" pitchFamily="49" charset="0"/>
               </a:rPr>
-              <a:t>scheduler.run</a:t>
-            </a:r>
-            <a:r>
-              <a:rPr lang="pt-BR" sz="1600" b="1" dirty="0" smtClean="0">
-                <a:solidFill>
-                  <a:schemeClr val="tx2"/>
-                </a:solidFill>
-                <a:latin typeface="Courier New" pitchFamily="49" charset="0"/>
-                <a:cs typeface="Courier New" pitchFamily="49" charset="0"/>
-              </a:rPr>
-              <a:t>()</a:t>
+              <a:t>scheduler.run()</a:t>
             </a:r>
             <a:endParaRPr lang="pt-BR" sz="1600" b="1" dirty="0">
               <a:solidFill>
@@ -7001,14 +6923,7 @@
                 <a:latin typeface="Courier New" pitchFamily="49" charset="0"/>
                 <a:cs typeface="Courier New" pitchFamily="49" charset="0"/>
               </a:rPr>
-              <a:t>&gt;&gt;&gt; var = sched.scheduler</a:t>
-            </a:r>
-            <a:r>
-              <a:rPr lang="pt-BR" sz="2400" dirty="0" smtClean="0">
-                <a:latin typeface="Courier New" pitchFamily="49" charset="0"/>
-                <a:cs typeface="Courier New" pitchFamily="49" charset="0"/>
-              </a:rPr>
-              <a:t>()</a:t>
+              <a:t>&gt;&gt;&gt; var = sched.scheduler()</a:t>
             </a:r>
           </a:p>
           <a:p>
@@ -7113,7 +7028,6 @@
               <a:rPr lang="pt-BR" dirty="0" smtClean="0"/>
               <a:t>Delay</a:t>
             </a:r>
-            <a:endParaRPr lang="pt-BR" dirty="0" smtClean="0"/>
           </a:p>
           <a:p>
             <a:pPr lvl="1"/>
@@ -7121,7 +7035,6 @@
               <a:rPr lang="pt-BR" dirty="0" smtClean="0"/>
               <a:t>Prioridade</a:t>
             </a:r>
-            <a:endParaRPr lang="pt-BR" dirty="0" smtClean="0"/>
           </a:p>
           <a:p>
             <a:pPr lvl="1"/>
@@ -7129,7 +7042,6 @@
               <a:rPr lang="pt-BR" dirty="0" smtClean="0"/>
               <a:t>Função a ser chamada</a:t>
             </a:r>
-            <a:endParaRPr lang="pt-BR" dirty="0" smtClean="0"/>
           </a:p>
           <a:p>
             <a:pPr lvl="1"/>
@@ -7254,7 +7166,6 @@
               <a:rPr lang="pt-BR" sz="2800" dirty="0" smtClean="0"/>
               <a:t>Processo</a:t>
             </a:r>
-            <a:endParaRPr lang="pt-BR" sz="2800" dirty="0" smtClean="0"/>
           </a:p>
           <a:p>
             <a:pPr lvl="1"/>
@@ -7267,22 +7178,14 @@
             <a:pPr lvl="1"/>
             <a:r>
               <a:rPr lang="pt-BR" sz="2400" dirty="0" smtClean="0"/>
-              <a:t>Executado </a:t>
-            </a:r>
+              <a:t>Executado pelo kernel</a:t>
+            </a:r>
+          </a:p>
+          <a:p>
+            <a:pPr lvl="1"/>
             <a:r>
               <a:rPr lang="pt-BR" sz="2400" dirty="0" smtClean="0"/>
-              <a:t>pelo kernel</a:t>
-            </a:r>
-          </a:p>
-          <a:p>
-            <a:pPr lvl="1"/>
-            <a:r>
-              <a:rPr lang="pt-BR" sz="2400" dirty="0" smtClean="0"/>
-              <a:t>Possui </a:t>
-            </a:r>
-            <a:r>
-              <a:rPr lang="pt-BR" sz="2400" dirty="0" smtClean="0"/>
-              <a:t>um PID (</a:t>
+              <a:t>Possui um PID (</a:t>
             </a:r>
             <a:r>
               <a:rPr lang="pt-BR" sz="2400" i="1" dirty="0" smtClean="0">
@@ -7554,13 +7457,7 @@
               <a:rPr lang="pt-BR" sz="1600" dirty="0" smtClean="0">
                 <a:hlinkClick r:id="rId2"/>
               </a:rPr>
-              <a:t>https://</a:t>
-            </a:r>
-            <a:r>
-              <a:rPr lang="pt-BR" sz="1600" dirty="0" smtClean="0">
-                <a:hlinkClick r:id="rId2"/>
-              </a:rPr>
-              <a:t>www.vivaolinux.com.br/artigo/Entendendo-um-pouco-sobre-os-daemons</a:t>
+              <a:t>https://www.vivaolinux.com.br/artigo/Entendendo-um-pouco-sobre-os-daemons</a:t>
             </a:r>
             <a:endParaRPr lang="pt-BR" sz="1600" dirty="0" smtClean="0"/>
           </a:p>
@@ -7583,11 +7480,7 @@
           <a:p>
             <a:r>
               <a:rPr lang="pt-BR" sz="1600" dirty="0" smtClean="0"/>
-              <a:t>Python </a:t>
-            </a:r>
-            <a:r>
-              <a:rPr lang="pt-BR" sz="1600" dirty="0" smtClean="0"/>
-              <a:t>event scheduler</a:t>
+              <a:t>Python event scheduler</a:t>
             </a:r>
           </a:p>
           <a:p>
@@ -7596,24 +7489,14 @@
               <a:rPr lang="pt-BR" sz="1600" dirty="0" smtClean="0">
                 <a:hlinkClick r:id="rId4"/>
               </a:rPr>
-              <a:t>https://pymotw.com/3/sched</a:t>
-            </a:r>
-            <a:r>
-              <a:rPr lang="pt-BR" sz="1600" dirty="0" smtClean="0">
-                <a:hlinkClick r:id="rId4"/>
-              </a:rPr>
-              <a:t>/</a:t>
+              <a:t>https://pymotw.com/3/sched/</a:t>
             </a:r>
             <a:endParaRPr lang="pt-BR" sz="1600" dirty="0" smtClean="0"/>
           </a:p>
           <a:p>
             <a:r>
               <a:rPr lang="pt-BR" sz="1600" cap="small" dirty="0" smtClean="0"/>
-              <a:t>Chapter </a:t>
-            </a:r>
-            <a:r>
-              <a:rPr lang="pt-BR" sz="1600" cap="small" dirty="0" smtClean="0"/>
-              <a:t>15 – Keeping Time, Scheduling Tasks, and Launching Programs</a:t>
+              <a:t>Chapter 15 – Keeping Time, Scheduling Tasks, and Launching Programs</a:t>
             </a:r>
           </a:p>
           <a:p>
@@ -7629,7 +7512,24 @@
           <a:p>
             <a:r>
               <a:rPr lang="pt-BR" sz="1600" dirty="0" smtClean="0"/>
-              <a:t>Referências Python</a:t>
+              <a:t>Tuples, Lists, and Dictionaries</a:t>
+            </a:r>
+          </a:p>
+          <a:p>
+            <a:pPr lvl="1"/>
+            <a:r>
+              <a:rPr lang="pt-BR" sz="1200" dirty="0" smtClean="0"/>
+              <a:t>http://sthurlow.com/python/lesson06/</a:t>
+            </a:r>
+          </a:p>
+          <a:p>
+            <a:r>
+              <a:rPr lang="pt-BR" sz="1600" dirty="0" smtClean="0"/>
+              <a:t>Referências </a:t>
+            </a:r>
+            <a:r>
+              <a:rPr lang="pt-BR" sz="1600" dirty="0" smtClean="0"/>
+              <a:t>Python</a:t>
             </a:r>
           </a:p>
           <a:p>
@@ -8483,12 +8383,24 @@
             <a:endParaRPr lang="pt-BR" dirty="0" smtClean="0"/>
           </a:p>
           <a:p>
-            <a:endParaRPr lang="pt-BR" dirty="0" smtClean="0"/>
-          </a:p>
-          <a:p>
-            <a:r>
-              <a:rPr lang="pt-BR" dirty="0" smtClean="0"/>
-              <a:t>É possível usar python para chamar outros scripts python</a:t>
+            <a:pPr lvl="1"/>
+            <a:endParaRPr lang="pt-BR" sz="2400" dirty="0" smtClean="0"/>
+          </a:p>
+          <a:p>
+            <a:pPr lvl="1"/>
+            <a:r>
+              <a:rPr lang="pt-BR" sz="2400" dirty="0" smtClean="0"/>
+              <a:t>Linux:  /usr/bin/gnome-calculator</a:t>
+            </a:r>
+          </a:p>
+          <a:p>
+            <a:r>
+              <a:rPr lang="pt-BR" dirty="0" smtClean="0"/>
+              <a:t>É </a:t>
+            </a:r>
+            <a:r>
+              <a:rPr lang="pt-BR" dirty="0" smtClean="0"/>
+              <a:t>possível usar python para chamar outros scripts python</a:t>
             </a:r>
           </a:p>
           <a:p>
